--- a/Calendario2023/Presentaciones/2_DispositivosRedesR.pptx
+++ b/Calendario2023/Presentaciones/2_DispositivosRedesR.pptx
@@ -5,7 +5,7 @@
     <p:sldMasterId id="2147483648" r:id="rId1"/>
   </p:sldMasterIdLst>
   <p:notesMasterIdLst>
-    <p:notesMasterId r:id="rId19"/>
+    <p:notesMasterId r:id="rId16"/>
   </p:notesMasterIdLst>
   <p:sldIdLst>
     <p:sldId id="257" r:id="rId2"/>
@@ -22,9 +22,6 @@
     <p:sldId id="321" r:id="rId13"/>
     <p:sldId id="346" r:id="rId14"/>
     <p:sldId id="347" r:id="rId15"/>
-    <p:sldId id="322" r:id="rId16"/>
-    <p:sldId id="323" r:id="rId17"/>
-    <p:sldId id="324" r:id="rId18"/>
   </p:sldIdLst>
   <p:sldSz cx="9144000" cy="6858000" type="screen4x3"/>
   <p:notesSz cx="6858000" cy="9144000"/>
@@ -224,7 +221,7 @@
           <a:p>
             <a:fld id="{2D445F07-8756-451B-A938-0248325FC7BB}" type="datetimeFigureOut">
               <a:rPr lang="es-MX" smtClean="0"/>
-              <a:t>14/05/2023</a:t>
+              <a:t>15/05/2023</a:t>
             </a:fld>
             <a:endParaRPr lang="es-MX" dirty="0"/>
           </a:p>
@@ -1265,90 +1262,6 @@
 </p:notes>
 </file>
 
-<file path=ppt/notesSlides/notesSlide8.xml><?xml version="1.0" encoding="utf-8"?>
-<p:notes xmlns:a="http://schemas.openxmlformats.org/drawingml/2006/main" xmlns:r="http://schemas.openxmlformats.org/officeDocument/2006/relationships" xmlns:p="http://schemas.openxmlformats.org/presentationml/2006/main">
-  <p:cSld>
-    <p:spTree>
-      <p:nvGrpSpPr>
-        <p:cNvPr id="1" name=""/>
-        <p:cNvGrpSpPr/>
-        <p:nvPr/>
-      </p:nvGrpSpPr>
-      <p:grpSpPr>
-        <a:xfrm>
-          <a:off x="0" y="0"/>
-          <a:ext cx="0" cy="0"/>
-          <a:chOff x="0" y="0"/>
-          <a:chExt cx="0" cy="0"/>
-        </a:xfrm>
-      </p:grpSpPr>
-      <p:sp>
-        <p:nvSpPr>
-          <p:cNvPr id="2" name="Marcador de imagen de diapositiva 1"/>
-          <p:cNvSpPr>
-            <a:spLocks noGrp="1" noRot="1" noChangeAspect="1"/>
-          </p:cNvSpPr>
-          <p:nvPr>
-            <p:ph type="sldImg"/>
-          </p:nvPr>
-        </p:nvSpPr>
-        <p:spPr/>
-      </p:sp>
-      <p:sp>
-        <p:nvSpPr>
-          <p:cNvPr id="3" name="Marcador de notas 2"/>
-          <p:cNvSpPr>
-            <a:spLocks noGrp="1"/>
-          </p:cNvSpPr>
-          <p:nvPr>
-            <p:ph type="body" idx="1"/>
-          </p:nvPr>
-        </p:nvSpPr>
-        <p:spPr/>
-        <p:txBody>
-          <a:bodyPr/>
-          <a:lstStyle/>
-          <a:p>
-            <a:endParaRPr lang="es-MX" dirty="0"/>
-          </a:p>
-        </p:txBody>
-      </p:sp>
-      <p:sp>
-        <p:nvSpPr>
-          <p:cNvPr id="4" name="Marcador de número de diapositiva 3"/>
-          <p:cNvSpPr>
-            <a:spLocks noGrp="1"/>
-          </p:cNvSpPr>
-          <p:nvPr>
-            <p:ph type="sldNum" sz="quarter" idx="10"/>
-          </p:nvPr>
-        </p:nvSpPr>
-        <p:spPr/>
-        <p:txBody>
-          <a:bodyPr/>
-          <a:lstStyle/>
-          <a:p>
-            <a:fld id="{5993AEC0-242E-4FA7-9D3C-51E1036AC3CB}" type="slidenum">
-              <a:rPr lang="es-MX" smtClean="0"/>
-              <a:t>17</a:t>
-            </a:fld>
-            <a:endParaRPr lang="es-MX" dirty="0"/>
-          </a:p>
-        </p:txBody>
-      </p:sp>
-    </p:spTree>
-    <p:extLst>
-      <p:ext uri="{BB962C8B-B14F-4D97-AF65-F5344CB8AC3E}">
-        <p14:creationId xmlns:p14="http://schemas.microsoft.com/office/powerpoint/2010/main" val="780446328"/>
-      </p:ext>
-    </p:extLst>
-  </p:cSld>
-  <p:clrMapOvr>
-    <a:masterClrMapping/>
-  </p:clrMapOvr>
-</p:notes>
-</file>
-
 <file path=ppt/slideLayouts/slideLayout1.xml><?xml version="1.0" encoding="utf-8"?>
 <p:sldLayout xmlns:a="http://schemas.openxmlformats.org/drawingml/2006/main" xmlns:r="http://schemas.openxmlformats.org/officeDocument/2006/relationships" xmlns:p="http://schemas.openxmlformats.org/presentationml/2006/main" type="title" preserve="1">
   <p:cSld name="Diapositiva de título">
@@ -1530,7 +1443,7 @@
           <a:p>
             <a:fld id="{5E75A0DC-66C6-4CEC-A5EB-F8C97CEC3796}" type="datetimeFigureOut">
               <a:rPr lang="es-MX" smtClean="0"/>
-              <a:t>14/05/2023</a:t>
+              <a:t>15/05/2023</a:t>
             </a:fld>
             <a:endParaRPr lang="es-MX" dirty="0"/>
           </a:p>
@@ -1700,7 +1613,7 @@
           <a:p>
             <a:fld id="{5E75A0DC-66C6-4CEC-A5EB-F8C97CEC3796}" type="datetimeFigureOut">
               <a:rPr lang="es-MX" smtClean="0"/>
-              <a:t>14/05/2023</a:t>
+              <a:t>15/05/2023</a:t>
             </a:fld>
             <a:endParaRPr lang="es-MX" dirty="0"/>
           </a:p>
@@ -1880,7 +1793,7 @@
           <a:p>
             <a:fld id="{5E75A0DC-66C6-4CEC-A5EB-F8C97CEC3796}" type="datetimeFigureOut">
               <a:rPr lang="es-MX" smtClean="0"/>
-              <a:t>14/05/2023</a:t>
+              <a:t>15/05/2023</a:t>
             </a:fld>
             <a:endParaRPr lang="es-MX" dirty="0"/>
           </a:p>
@@ -2355,7 +2268,7 @@
           <a:p>
             <a:fld id="{5E75A0DC-66C6-4CEC-A5EB-F8C97CEC3796}" type="datetimeFigureOut">
               <a:rPr lang="es-MX" smtClean="0"/>
-              <a:t>14/05/2023</a:t>
+              <a:t>15/05/2023</a:t>
             </a:fld>
             <a:endParaRPr lang="es-MX" dirty="0"/>
           </a:p>
@@ -2601,7 +2514,7 @@
           <a:p>
             <a:fld id="{5E75A0DC-66C6-4CEC-A5EB-F8C97CEC3796}" type="datetimeFigureOut">
               <a:rPr lang="es-MX" smtClean="0"/>
-              <a:t>14/05/2023</a:t>
+              <a:t>15/05/2023</a:t>
             </a:fld>
             <a:endParaRPr lang="es-MX" dirty="0"/>
           </a:p>
@@ -2889,7 +2802,7 @@
           <a:p>
             <a:fld id="{5E75A0DC-66C6-4CEC-A5EB-F8C97CEC3796}" type="datetimeFigureOut">
               <a:rPr lang="es-MX" smtClean="0"/>
-              <a:t>14/05/2023</a:t>
+              <a:t>15/05/2023</a:t>
             </a:fld>
             <a:endParaRPr lang="es-MX" dirty="0"/>
           </a:p>
@@ -3311,7 +3224,7 @@
           <a:p>
             <a:fld id="{5E75A0DC-66C6-4CEC-A5EB-F8C97CEC3796}" type="datetimeFigureOut">
               <a:rPr lang="es-MX" smtClean="0"/>
-              <a:t>14/05/2023</a:t>
+              <a:t>15/05/2023</a:t>
             </a:fld>
             <a:endParaRPr lang="es-MX" dirty="0"/>
           </a:p>
@@ -3429,7 +3342,7 @@
           <a:p>
             <a:fld id="{5E75A0DC-66C6-4CEC-A5EB-F8C97CEC3796}" type="datetimeFigureOut">
               <a:rPr lang="es-MX" smtClean="0"/>
-              <a:t>14/05/2023</a:t>
+              <a:t>15/05/2023</a:t>
             </a:fld>
             <a:endParaRPr lang="es-MX" dirty="0"/>
           </a:p>
@@ -3524,7 +3437,7 @@
           <a:p>
             <a:fld id="{5E75A0DC-66C6-4CEC-A5EB-F8C97CEC3796}" type="datetimeFigureOut">
               <a:rPr lang="es-MX" smtClean="0"/>
-              <a:t>14/05/2023</a:t>
+              <a:t>15/05/2023</a:t>
             </a:fld>
             <a:endParaRPr lang="es-MX" dirty="0"/>
           </a:p>
@@ -3801,7 +3714,7 @@
           <a:p>
             <a:fld id="{5E75A0DC-66C6-4CEC-A5EB-F8C97CEC3796}" type="datetimeFigureOut">
               <a:rPr lang="es-MX" smtClean="0"/>
-              <a:t>14/05/2023</a:t>
+              <a:t>15/05/2023</a:t>
             </a:fld>
             <a:endParaRPr lang="es-MX" dirty="0"/>
           </a:p>
@@ -4054,7 +3967,7 @@
           <a:p>
             <a:fld id="{5E75A0DC-66C6-4CEC-A5EB-F8C97CEC3796}" type="datetimeFigureOut">
               <a:rPr lang="es-MX" smtClean="0"/>
-              <a:t>14/05/2023</a:t>
+              <a:t>15/05/2023</a:t>
             </a:fld>
             <a:endParaRPr lang="es-MX" dirty="0"/>
           </a:p>
@@ -4267,7 +4180,7 @@
           <a:p>
             <a:fld id="{5E75A0DC-66C6-4CEC-A5EB-F8C97CEC3796}" type="datetimeFigureOut">
               <a:rPr lang="es-MX" smtClean="0"/>
-              <a:t>14/05/2023</a:t>
+              <a:t>15/05/2023</a:t>
             </a:fld>
             <a:endParaRPr lang="es-MX" dirty="0"/>
           </a:p>
@@ -8726,1562 +8639,6 @@
 </p:sld>
 </file>
 
-<file path=ppt/slides/slide15.xml><?xml version="1.0" encoding="utf-8"?>
-<p:sld xmlns:a="http://schemas.openxmlformats.org/drawingml/2006/main" xmlns:r="http://schemas.openxmlformats.org/officeDocument/2006/relationships" xmlns:p="http://schemas.openxmlformats.org/presentationml/2006/main">
-  <p:cSld>
-    <p:spTree>
-      <p:nvGrpSpPr>
-        <p:cNvPr id="1" name=""/>
-        <p:cNvGrpSpPr/>
-        <p:nvPr/>
-      </p:nvGrpSpPr>
-      <p:grpSpPr>
-        <a:xfrm>
-          <a:off x="0" y="0"/>
-          <a:ext cx="0" cy="0"/>
-          <a:chOff x="0" y="0"/>
-          <a:chExt cx="0" cy="0"/>
-        </a:xfrm>
-      </p:grpSpPr>
-      <p:pic>
-        <p:nvPicPr>
-          <p:cNvPr id="2" name="Imagen 1"/>
-          <p:cNvPicPr>
-            <a:picLocks noChangeAspect="1"/>
-          </p:cNvPicPr>
-          <p:nvPr/>
-        </p:nvPicPr>
-        <p:blipFill>
-          <a:blip r:embed="rId2">
-            <a:extLst>
-              <a:ext uri="{28A0092B-C50C-407E-A947-70E740481C1C}">
-                <a14:useLocalDpi xmlns:a14="http://schemas.microsoft.com/office/drawing/2010/main" val="0"/>
-              </a:ext>
-            </a:extLst>
-          </a:blip>
-          <a:stretch>
-            <a:fillRect/>
-          </a:stretch>
-        </p:blipFill>
-        <p:spPr>
-          <a:xfrm>
-            <a:off x="5616376" y="2022083"/>
-            <a:ext cx="2824814" cy="3024336"/>
-          </a:xfrm>
-          <a:prstGeom prst="rect">
-            <a:avLst/>
-          </a:prstGeom>
-        </p:spPr>
-      </p:pic>
-      <p:sp>
-        <p:nvSpPr>
-          <p:cNvPr id="5" name="Rectangle 2"/>
-          <p:cNvSpPr txBox="1">
-            <a:spLocks noChangeArrowheads="1"/>
-          </p:cNvSpPr>
-          <p:nvPr/>
-        </p:nvSpPr>
-        <p:spPr>
-          <a:xfrm>
-            <a:off x="144016" y="197768"/>
-            <a:ext cx="8964488" cy="1143000"/>
-          </a:xfrm>
-          <a:prstGeom prst="rect">
-            <a:avLst/>
-          </a:prstGeom>
-        </p:spPr>
-        <p:txBody>
-          <a:bodyPr vert="horz" lIns="92075" tIns="46038" rIns="92075" bIns="46038" rtlCol="0" anchor="ctr">
-            <a:noAutofit/>
-          </a:bodyPr>
-          <a:lstStyle>
-            <a:lvl1pPr algn="ctr" defTabSz="914400" rtl="0" eaLnBrk="1" latinLnBrk="0" hangingPunct="1">
-              <a:spcBef>
-                <a:spcPct val="0"/>
-              </a:spcBef>
-              <a:buNone/>
-              <a:defRPr sz="4400" kern="1200">
-                <a:solidFill>
-                  <a:schemeClr val="tx1"/>
-                </a:solidFill>
-                <a:latin typeface="+mj-lt"/>
-                <a:ea typeface="+mj-ea"/>
-                <a:cs typeface="+mj-cs"/>
-              </a:defRPr>
-            </a:lvl1pPr>
-          </a:lstStyle>
-          <a:p>
-            <a:pPr>
-              <a:defRPr/>
-            </a:pPr>
-            <a:r>
-              <a:rPr lang="es-ES_tradnl" sz="3200" dirty="0">
-                <a:solidFill>
-                  <a:srgbClr val="3333CC"/>
-                </a:solidFill>
-                <a:effectLst>
-                  <a:outerShdw blurRad="38100" dist="38100" dir="2700000" algn="tl">
-                    <a:srgbClr val="C0C0C0"/>
-                  </a:outerShdw>
-                </a:effectLst>
-                <a:latin typeface="Dom Casual" charset="0"/>
-              </a:rPr>
-              <a:t> </a:t>
-            </a:r>
-            <a:r>
-              <a:rPr lang="es-ES_tradnl" sz="3200" b="1" dirty="0">
-                <a:solidFill>
-                  <a:schemeClr val="accent4">
-                    <a:lumMod val="50000"/>
-                  </a:schemeClr>
-                </a:solidFill>
-                <a:effectLst>
-                  <a:outerShdw blurRad="38100" dist="38100" dir="2700000" algn="tl">
-                    <a:srgbClr val="C0C0C0"/>
-                  </a:outerShdw>
-                </a:effectLst>
-                <a:latin typeface="Dom Casual" charset="0"/>
-              </a:rPr>
-              <a:t>Radio frecuencia</a:t>
-            </a:r>
-          </a:p>
-        </p:txBody>
-      </p:sp>
-      <p:sp>
-        <p:nvSpPr>
-          <p:cNvPr id="6" name="Text Box 3"/>
-          <p:cNvSpPr txBox="1">
-            <a:spLocks noChangeArrowheads="1"/>
-          </p:cNvSpPr>
-          <p:nvPr/>
-        </p:nvSpPr>
-        <p:spPr bwMode="auto">
-          <a:xfrm>
-            <a:off x="683568" y="1695286"/>
-            <a:ext cx="4624342" cy="3677930"/>
-          </a:xfrm>
-          <a:prstGeom prst="rect">
-            <a:avLst/>
-          </a:prstGeom>
-          <a:noFill/>
-          <a:ln>
-            <a:noFill/>
-          </a:ln>
-          <a:extLst>
-            <a:ext uri="{909E8E84-426E-40DD-AFC4-6F175D3DCCD1}">
-              <a14:hiddenFill xmlns:a14="http://schemas.microsoft.com/office/drawing/2010/main">
-                <a:solidFill>
-                  <a:srgbClr val="FFFFFF"/>
-                </a:solidFill>
-              </a14:hiddenFill>
-            </a:ext>
-            <a:ext uri="{91240B29-F687-4F45-9708-019B960494DF}">
-              <a14:hiddenLine xmlns:a14="http://schemas.microsoft.com/office/drawing/2010/main" w="9525">
-                <a:solidFill>
-                  <a:srgbClr val="000000"/>
-                </a:solidFill>
-                <a:miter lim="800000"/>
-                <a:headEnd/>
-                <a:tailEnd/>
-              </a14:hiddenLine>
-            </a:ext>
-          </a:extLst>
-        </p:spPr>
-        <p:txBody>
-          <a:bodyPr wrap="square">
-            <a:spAutoFit/>
-          </a:bodyPr>
-          <a:lstStyle>
-            <a:lvl1pPr eaLnBrk="0" hangingPunct="0">
-              <a:defRPr>
-                <a:solidFill>
-                  <a:schemeClr val="tx1"/>
-                </a:solidFill>
-                <a:latin typeface="Arial" pitchFamily="34" charset="0"/>
-              </a:defRPr>
-            </a:lvl1pPr>
-            <a:lvl2pPr marL="742950" indent="-285750" eaLnBrk="0" hangingPunct="0">
-              <a:defRPr>
-                <a:solidFill>
-                  <a:schemeClr val="tx1"/>
-                </a:solidFill>
-                <a:latin typeface="Arial" pitchFamily="34" charset="0"/>
-              </a:defRPr>
-            </a:lvl2pPr>
-            <a:lvl3pPr marL="1143000" indent="-228600" eaLnBrk="0" hangingPunct="0">
-              <a:defRPr>
-                <a:solidFill>
-                  <a:schemeClr val="tx1"/>
-                </a:solidFill>
-                <a:latin typeface="Arial" pitchFamily="34" charset="0"/>
-              </a:defRPr>
-            </a:lvl3pPr>
-            <a:lvl4pPr marL="1600200" indent="-228600" eaLnBrk="0" hangingPunct="0">
-              <a:defRPr>
-                <a:solidFill>
-                  <a:schemeClr val="tx1"/>
-                </a:solidFill>
-                <a:latin typeface="Arial" pitchFamily="34" charset="0"/>
-              </a:defRPr>
-            </a:lvl4pPr>
-            <a:lvl5pPr marL="2057400" indent="-228600" eaLnBrk="0" hangingPunct="0">
-              <a:defRPr>
-                <a:solidFill>
-                  <a:schemeClr val="tx1"/>
-                </a:solidFill>
-                <a:latin typeface="Arial" pitchFamily="34" charset="0"/>
-              </a:defRPr>
-            </a:lvl5pPr>
-            <a:lvl6pPr marL="2514600" indent="-228600" eaLnBrk="0" fontAlgn="base" hangingPunct="0">
-              <a:spcBef>
-                <a:spcPct val="0"/>
-              </a:spcBef>
-              <a:spcAft>
-                <a:spcPct val="0"/>
-              </a:spcAft>
-              <a:defRPr>
-                <a:solidFill>
-                  <a:schemeClr val="tx1"/>
-                </a:solidFill>
-                <a:latin typeface="Arial" pitchFamily="34" charset="0"/>
-              </a:defRPr>
-            </a:lvl6pPr>
-            <a:lvl7pPr marL="2971800" indent="-228600" eaLnBrk="0" fontAlgn="base" hangingPunct="0">
-              <a:spcBef>
-                <a:spcPct val="0"/>
-              </a:spcBef>
-              <a:spcAft>
-                <a:spcPct val="0"/>
-              </a:spcAft>
-              <a:defRPr>
-                <a:solidFill>
-                  <a:schemeClr val="tx1"/>
-                </a:solidFill>
-                <a:latin typeface="Arial" pitchFamily="34" charset="0"/>
-              </a:defRPr>
-            </a:lvl7pPr>
-            <a:lvl8pPr marL="3429000" indent="-228600" eaLnBrk="0" fontAlgn="base" hangingPunct="0">
-              <a:spcBef>
-                <a:spcPct val="0"/>
-              </a:spcBef>
-              <a:spcAft>
-                <a:spcPct val="0"/>
-              </a:spcAft>
-              <a:defRPr>
-                <a:solidFill>
-                  <a:schemeClr val="tx1"/>
-                </a:solidFill>
-                <a:latin typeface="Arial" pitchFamily="34" charset="0"/>
-              </a:defRPr>
-            </a:lvl8pPr>
-            <a:lvl9pPr marL="3886200" indent="-228600" eaLnBrk="0" fontAlgn="base" hangingPunct="0">
-              <a:spcBef>
-                <a:spcPct val="0"/>
-              </a:spcBef>
-              <a:spcAft>
-                <a:spcPct val="0"/>
-              </a:spcAft>
-              <a:defRPr>
-                <a:solidFill>
-                  <a:schemeClr val="tx1"/>
-                </a:solidFill>
-                <a:latin typeface="Arial" pitchFamily="34" charset="0"/>
-              </a:defRPr>
-            </a:lvl9pPr>
-          </a:lstStyle>
-          <a:p>
-            <a:pPr marL="342900" indent="-342900" algn="just">
-              <a:lnSpc>
-                <a:spcPct val="150000"/>
-              </a:lnSpc>
-              <a:spcBef>
-                <a:spcPts val="600"/>
-              </a:spcBef>
-              <a:buFont typeface="Arial" panose="020B0604020202020204" pitchFamily="34" charset="0"/>
-              <a:buChar char="•"/>
-            </a:pPr>
-            <a:r>
-              <a:rPr lang="es-MX" sz="1900" dirty="0">
-                <a:solidFill>
-                  <a:schemeClr val="bg2">
-                    <a:lumMod val="25000"/>
-                  </a:schemeClr>
-                </a:solidFill>
-                <a:latin typeface="+mn-lt"/>
-              </a:rPr>
-              <a:t>El término </a:t>
-            </a:r>
-            <a:r>
-              <a:rPr lang="es-MX" sz="1900" b="1" dirty="0">
-                <a:solidFill>
-                  <a:schemeClr val="accent6">
-                    <a:lumMod val="75000"/>
-                  </a:schemeClr>
-                </a:solidFill>
-                <a:latin typeface="+mn-lt"/>
-              </a:rPr>
-              <a:t>radiofrecuencia</a:t>
-            </a:r>
-            <a:r>
-              <a:rPr lang="es-MX" sz="1900" dirty="0">
-                <a:solidFill>
-                  <a:schemeClr val="bg2">
-                    <a:lumMod val="25000"/>
-                  </a:schemeClr>
-                </a:solidFill>
-                <a:latin typeface="+mn-lt"/>
-              </a:rPr>
-              <a:t>, se aplica a la porción menos energética del espectro electromagnético, situada entre unos </a:t>
-            </a:r>
-            <a:r>
-              <a:rPr lang="es-MX" sz="1900" b="1" dirty="0">
-                <a:solidFill>
-                  <a:schemeClr val="accent6">
-                    <a:lumMod val="75000"/>
-                  </a:schemeClr>
-                </a:solidFill>
-                <a:latin typeface="+mn-lt"/>
-              </a:rPr>
-              <a:t>3 Hz</a:t>
-            </a:r>
-            <a:r>
-              <a:rPr lang="es-MX" sz="1900" dirty="0">
-                <a:solidFill>
-                  <a:schemeClr val="accent6">
-                    <a:lumMod val="75000"/>
-                  </a:schemeClr>
-                </a:solidFill>
-                <a:latin typeface="+mn-lt"/>
-              </a:rPr>
-              <a:t> </a:t>
-            </a:r>
-            <a:r>
-              <a:rPr lang="es-MX" sz="1900" dirty="0">
-                <a:solidFill>
-                  <a:schemeClr val="bg2">
-                    <a:lumMod val="25000"/>
-                  </a:schemeClr>
-                </a:solidFill>
-                <a:latin typeface="+mn-lt"/>
-              </a:rPr>
-              <a:t>y unos </a:t>
-            </a:r>
-            <a:r>
-              <a:rPr lang="es-MX" sz="1900" b="1" dirty="0">
-                <a:solidFill>
-                  <a:schemeClr val="accent6">
-                    <a:lumMod val="75000"/>
-                  </a:schemeClr>
-                </a:solidFill>
-                <a:latin typeface="+mn-lt"/>
-              </a:rPr>
-              <a:t>300 GHz</a:t>
-            </a:r>
-            <a:r>
-              <a:rPr lang="es-MX" sz="1900" dirty="0">
-                <a:solidFill>
-                  <a:schemeClr val="accent6">
-                    <a:lumMod val="75000"/>
-                  </a:schemeClr>
-                </a:solidFill>
-                <a:latin typeface="+mn-lt"/>
-              </a:rPr>
-              <a:t>. </a:t>
-            </a:r>
-          </a:p>
-          <a:p>
-            <a:pPr marL="342900" indent="-342900" algn="just">
-              <a:lnSpc>
-                <a:spcPct val="150000"/>
-              </a:lnSpc>
-              <a:spcBef>
-                <a:spcPts val="600"/>
-              </a:spcBef>
-              <a:buFont typeface="Arial" panose="020B0604020202020204" pitchFamily="34" charset="0"/>
-              <a:buChar char="•"/>
-            </a:pPr>
-            <a:r>
-              <a:rPr lang="es-MX" sz="1900" dirty="0">
-                <a:solidFill>
-                  <a:schemeClr val="bg2">
-                    <a:lumMod val="25000"/>
-                  </a:schemeClr>
-                </a:solidFill>
-                <a:latin typeface="+mn-lt"/>
-              </a:rPr>
-              <a:t>Las </a:t>
-            </a:r>
-            <a:r>
-              <a:rPr lang="es-MX" sz="1900" b="1" dirty="0">
-                <a:solidFill>
-                  <a:schemeClr val="accent6">
-                    <a:lumMod val="75000"/>
-                  </a:schemeClr>
-                </a:solidFill>
-                <a:latin typeface="+mn-lt"/>
-              </a:rPr>
-              <a:t>ondas electromagnéticas </a:t>
-            </a:r>
-            <a:r>
-              <a:rPr lang="es-MX" sz="1900" dirty="0">
-                <a:solidFill>
-                  <a:schemeClr val="bg2">
-                    <a:lumMod val="25000"/>
-                  </a:schemeClr>
-                </a:solidFill>
-                <a:latin typeface="+mn-lt"/>
-              </a:rPr>
-              <a:t>de esta región del espectro se pueden transmitir aplicando la corriente alterna originada en un generador a una antena. </a:t>
-            </a:r>
-          </a:p>
-        </p:txBody>
-      </p:sp>
-    </p:spTree>
-    <p:extLst>
-      <p:ext uri="{BB962C8B-B14F-4D97-AF65-F5344CB8AC3E}">
-        <p14:creationId xmlns:p14="http://schemas.microsoft.com/office/powerpoint/2010/main" val="4090457248"/>
-      </p:ext>
-    </p:extLst>
-  </p:cSld>
-  <p:clrMapOvr>
-    <a:masterClrMapping/>
-  </p:clrMapOvr>
-  <p:timing>
-    <p:tnLst>
-      <p:par>
-        <p:cTn id="1" dur="indefinite" restart="never" nodeType="tmRoot">
-          <p:childTnLst>
-            <p:seq concurrent="1" nextAc="seek">
-              <p:cTn id="2" dur="indefinite" nodeType="mainSeq">
-                <p:childTnLst>
-                  <p:par>
-                    <p:cTn id="3" fill="hold">
-                      <p:stCondLst>
-                        <p:cond delay="indefinite"/>
-                      </p:stCondLst>
-                      <p:childTnLst>
-                        <p:par>
-                          <p:cTn id="4" fill="hold">
-                            <p:stCondLst>
-                              <p:cond delay="0"/>
-                            </p:stCondLst>
-                            <p:childTnLst>
-                              <p:par>
-                                <p:cTn id="5" presetID="1" presetClass="entr" presetSubtype="0" fill="hold" grpId="0" nodeType="clickEffect">
-                                  <p:stCondLst>
-                                    <p:cond delay="0"/>
-                                  </p:stCondLst>
-                                  <p:childTnLst>
-                                    <p:set>
-                                      <p:cBhvr>
-                                        <p:cTn id="6" dur="1" fill="hold">
-                                          <p:stCondLst>
-                                            <p:cond delay="0"/>
-                                          </p:stCondLst>
-                                        </p:cTn>
-                                        <p:tgtEl>
-                                          <p:spTgt spid="6"/>
-                                        </p:tgtEl>
-                                        <p:attrNameLst>
-                                          <p:attrName>style.visibility</p:attrName>
-                                        </p:attrNameLst>
-                                      </p:cBhvr>
-                                      <p:to>
-                                        <p:strVal val="visible"/>
-                                      </p:to>
-                                    </p:set>
-                                  </p:childTnLst>
-                                </p:cTn>
-                              </p:par>
-                            </p:childTnLst>
-                          </p:cTn>
-                        </p:par>
-                      </p:childTnLst>
-                    </p:cTn>
-                  </p:par>
-                </p:childTnLst>
-              </p:cTn>
-              <p:prevCondLst>
-                <p:cond evt="onPrev" delay="0">
-                  <p:tgtEl>
-                    <p:sldTgt/>
-                  </p:tgtEl>
-                </p:cond>
-              </p:prevCondLst>
-              <p:nextCondLst>
-                <p:cond evt="onNext" delay="0">
-                  <p:tgtEl>
-                    <p:sldTgt/>
-                  </p:tgtEl>
-                </p:cond>
-              </p:nextCondLst>
-            </p:seq>
-          </p:childTnLst>
-        </p:cTn>
-      </p:par>
-    </p:tnLst>
-    <p:bldLst>
-      <p:bldP spid="6" grpId="0"/>
-    </p:bldLst>
-  </p:timing>
-</p:sld>
-</file>
-
-<file path=ppt/slides/slide16.xml><?xml version="1.0" encoding="utf-8"?>
-<p:sld xmlns:a="http://schemas.openxmlformats.org/drawingml/2006/main" xmlns:r="http://schemas.openxmlformats.org/officeDocument/2006/relationships" xmlns:p="http://schemas.openxmlformats.org/presentationml/2006/main">
-  <p:cSld>
-    <p:spTree>
-      <p:nvGrpSpPr>
-        <p:cNvPr id="1" name=""/>
-        <p:cNvGrpSpPr/>
-        <p:nvPr/>
-      </p:nvGrpSpPr>
-      <p:grpSpPr>
-        <a:xfrm>
-          <a:off x="0" y="0"/>
-          <a:ext cx="0" cy="0"/>
-          <a:chOff x="0" y="0"/>
-          <a:chExt cx="0" cy="0"/>
-        </a:xfrm>
-      </p:grpSpPr>
-      <p:sp>
-        <p:nvSpPr>
-          <p:cNvPr id="5" name="Rectangle 2"/>
-          <p:cNvSpPr txBox="1">
-            <a:spLocks noChangeArrowheads="1"/>
-          </p:cNvSpPr>
-          <p:nvPr/>
-        </p:nvSpPr>
-        <p:spPr>
-          <a:xfrm>
-            <a:off x="144016" y="197768"/>
-            <a:ext cx="8964488" cy="1143000"/>
-          </a:xfrm>
-          <a:prstGeom prst="rect">
-            <a:avLst/>
-          </a:prstGeom>
-        </p:spPr>
-        <p:txBody>
-          <a:bodyPr vert="horz" lIns="92075" tIns="46038" rIns="92075" bIns="46038" rtlCol="0" anchor="ctr">
-            <a:noAutofit/>
-          </a:bodyPr>
-          <a:lstStyle>
-            <a:lvl1pPr algn="ctr" defTabSz="914400" rtl="0" eaLnBrk="1" latinLnBrk="0" hangingPunct="1">
-              <a:spcBef>
-                <a:spcPct val="0"/>
-              </a:spcBef>
-              <a:buNone/>
-              <a:defRPr sz="4400" kern="1200">
-                <a:solidFill>
-                  <a:schemeClr val="tx1"/>
-                </a:solidFill>
-                <a:latin typeface="+mj-lt"/>
-                <a:ea typeface="+mj-ea"/>
-                <a:cs typeface="+mj-cs"/>
-              </a:defRPr>
-            </a:lvl1pPr>
-          </a:lstStyle>
-          <a:p>
-            <a:pPr>
-              <a:defRPr/>
-            </a:pPr>
-            <a:r>
-              <a:rPr lang="es-ES_tradnl" sz="3200" dirty="0">
-                <a:solidFill>
-                  <a:srgbClr val="3333CC"/>
-                </a:solidFill>
-                <a:effectLst>
-                  <a:outerShdw blurRad="38100" dist="38100" dir="2700000" algn="tl">
-                    <a:srgbClr val="C0C0C0"/>
-                  </a:outerShdw>
-                </a:effectLst>
-                <a:latin typeface="Dom Casual" charset="0"/>
-              </a:rPr>
-              <a:t> </a:t>
-            </a:r>
-            <a:r>
-              <a:rPr lang="es-ES_tradnl" sz="3200" b="1" dirty="0">
-                <a:solidFill>
-                  <a:schemeClr val="accent4">
-                    <a:lumMod val="50000"/>
-                  </a:schemeClr>
-                </a:solidFill>
-                <a:effectLst>
-                  <a:outerShdw blurRad="38100" dist="38100" dir="2700000" algn="tl">
-                    <a:srgbClr val="C0C0C0"/>
-                  </a:outerShdw>
-                </a:effectLst>
-                <a:latin typeface="Dom Casual" charset="0"/>
-              </a:rPr>
-              <a:t>Microondas</a:t>
-            </a:r>
-          </a:p>
-        </p:txBody>
-      </p:sp>
-      <p:sp>
-        <p:nvSpPr>
-          <p:cNvPr id="7" name="Text Box 3"/>
-          <p:cNvSpPr txBox="1">
-            <a:spLocks noChangeArrowheads="1"/>
-          </p:cNvSpPr>
-          <p:nvPr/>
-        </p:nvSpPr>
-        <p:spPr bwMode="auto">
-          <a:xfrm>
-            <a:off x="718613" y="1556792"/>
-            <a:ext cx="7706774" cy="1338828"/>
-          </a:xfrm>
-          <a:prstGeom prst="rect">
-            <a:avLst/>
-          </a:prstGeom>
-          <a:noFill/>
-          <a:ln>
-            <a:noFill/>
-          </a:ln>
-          <a:extLst>
-            <a:ext uri="{909E8E84-426E-40DD-AFC4-6F175D3DCCD1}">
-              <a14:hiddenFill xmlns:a14="http://schemas.microsoft.com/office/drawing/2010/main">
-                <a:solidFill>
-                  <a:srgbClr val="FFFFFF"/>
-                </a:solidFill>
-              </a14:hiddenFill>
-            </a:ext>
-            <a:ext uri="{91240B29-F687-4F45-9708-019B960494DF}">
-              <a14:hiddenLine xmlns:a14="http://schemas.microsoft.com/office/drawing/2010/main" w="9525">
-                <a:solidFill>
-                  <a:srgbClr val="000000"/>
-                </a:solidFill>
-                <a:miter lim="800000"/>
-                <a:headEnd/>
-                <a:tailEnd/>
-              </a14:hiddenLine>
-            </a:ext>
-          </a:extLst>
-        </p:spPr>
-        <p:txBody>
-          <a:bodyPr wrap="square">
-            <a:spAutoFit/>
-          </a:bodyPr>
-          <a:lstStyle>
-            <a:lvl1pPr eaLnBrk="0" hangingPunct="0">
-              <a:defRPr>
-                <a:solidFill>
-                  <a:schemeClr val="tx1"/>
-                </a:solidFill>
-                <a:latin typeface="Arial" pitchFamily="34" charset="0"/>
-              </a:defRPr>
-            </a:lvl1pPr>
-            <a:lvl2pPr marL="742950" indent="-285750" eaLnBrk="0" hangingPunct="0">
-              <a:defRPr>
-                <a:solidFill>
-                  <a:schemeClr val="tx1"/>
-                </a:solidFill>
-                <a:latin typeface="Arial" pitchFamily="34" charset="0"/>
-              </a:defRPr>
-            </a:lvl2pPr>
-            <a:lvl3pPr marL="1143000" indent="-228600" eaLnBrk="0" hangingPunct="0">
-              <a:defRPr>
-                <a:solidFill>
-                  <a:schemeClr val="tx1"/>
-                </a:solidFill>
-                <a:latin typeface="Arial" pitchFamily="34" charset="0"/>
-              </a:defRPr>
-            </a:lvl3pPr>
-            <a:lvl4pPr marL="1600200" indent="-228600" eaLnBrk="0" hangingPunct="0">
-              <a:defRPr>
-                <a:solidFill>
-                  <a:schemeClr val="tx1"/>
-                </a:solidFill>
-                <a:latin typeface="Arial" pitchFamily="34" charset="0"/>
-              </a:defRPr>
-            </a:lvl4pPr>
-            <a:lvl5pPr marL="2057400" indent="-228600" eaLnBrk="0" hangingPunct="0">
-              <a:defRPr>
-                <a:solidFill>
-                  <a:schemeClr val="tx1"/>
-                </a:solidFill>
-                <a:latin typeface="Arial" pitchFamily="34" charset="0"/>
-              </a:defRPr>
-            </a:lvl5pPr>
-            <a:lvl6pPr marL="2514600" indent="-228600" eaLnBrk="0" fontAlgn="base" hangingPunct="0">
-              <a:spcBef>
-                <a:spcPct val="0"/>
-              </a:spcBef>
-              <a:spcAft>
-                <a:spcPct val="0"/>
-              </a:spcAft>
-              <a:defRPr>
-                <a:solidFill>
-                  <a:schemeClr val="tx1"/>
-                </a:solidFill>
-                <a:latin typeface="Arial" pitchFamily="34" charset="0"/>
-              </a:defRPr>
-            </a:lvl6pPr>
-            <a:lvl7pPr marL="2971800" indent="-228600" eaLnBrk="0" fontAlgn="base" hangingPunct="0">
-              <a:spcBef>
-                <a:spcPct val="0"/>
-              </a:spcBef>
-              <a:spcAft>
-                <a:spcPct val="0"/>
-              </a:spcAft>
-              <a:defRPr>
-                <a:solidFill>
-                  <a:schemeClr val="tx1"/>
-                </a:solidFill>
-                <a:latin typeface="Arial" pitchFamily="34" charset="0"/>
-              </a:defRPr>
-            </a:lvl7pPr>
-            <a:lvl8pPr marL="3429000" indent="-228600" eaLnBrk="0" fontAlgn="base" hangingPunct="0">
-              <a:spcBef>
-                <a:spcPct val="0"/>
-              </a:spcBef>
-              <a:spcAft>
-                <a:spcPct val="0"/>
-              </a:spcAft>
-              <a:defRPr>
-                <a:solidFill>
-                  <a:schemeClr val="tx1"/>
-                </a:solidFill>
-                <a:latin typeface="Arial" pitchFamily="34" charset="0"/>
-              </a:defRPr>
-            </a:lvl8pPr>
-            <a:lvl9pPr marL="3886200" indent="-228600" eaLnBrk="0" fontAlgn="base" hangingPunct="0">
-              <a:spcBef>
-                <a:spcPct val="0"/>
-              </a:spcBef>
-              <a:spcAft>
-                <a:spcPct val="0"/>
-              </a:spcAft>
-              <a:defRPr>
-                <a:solidFill>
-                  <a:schemeClr val="tx1"/>
-                </a:solidFill>
-                <a:latin typeface="Arial" pitchFamily="34" charset="0"/>
-              </a:defRPr>
-            </a:lvl9pPr>
-          </a:lstStyle>
-          <a:p>
-            <a:pPr marL="285750" indent="-285750">
-              <a:lnSpc>
-                <a:spcPct val="150000"/>
-              </a:lnSpc>
-              <a:spcBef>
-                <a:spcPts val="600"/>
-              </a:spcBef>
-              <a:buFont typeface="Arial" panose="020B0604020202020204" pitchFamily="34" charset="0"/>
-              <a:buChar char="•"/>
-            </a:pPr>
-            <a:r>
-              <a:rPr lang="es-MX" dirty="0">
-                <a:solidFill>
-                  <a:schemeClr val="bg2">
-                    <a:lumMod val="25000"/>
-                  </a:schemeClr>
-                </a:solidFill>
-                <a:latin typeface="+mn-lt"/>
-              </a:rPr>
-              <a:t>La radiocomunicación por </a:t>
-            </a:r>
-            <a:r>
-              <a:rPr lang="es-MX" b="1" dirty="0">
-                <a:solidFill>
-                  <a:schemeClr val="accent6">
-                    <a:lumMod val="75000"/>
-                  </a:schemeClr>
-                </a:solidFill>
-                <a:latin typeface="+mn-lt"/>
-              </a:rPr>
-              <a:t>microondas</a:t>
-            </a:r>
-            <a:r>
-              <a:rPr lang="es-MX" dirty="0">
-                <a:solidFill>
-                  <a:schemeClr val="bg2">
-                    <a:lumMod val="25000"/>
-                  </a:schemeClr>
-                </a:solidFill>
-                <a:latin typeface="+mn-lt"/>
-              </a:rPr>
-              <a:t> se refiere a la transmisión de datos o energía a través de radiofrecuencias. Se denomina </a:t>
-            </a:r>
-            <a:r>
-              <a:rPr lang="es-MX" b="1" dirty="0">
-                <a:solidFill>
-                  <a:schemeClr val="accent6">
-                    <a:lumMod val="75000"/>
-                  </a:schemeClr>
-                </a:solidFill>
-                <a:latin typeface="+mn-lt"/>
-              </a:rPr>
-              <a:t>microondas</a:t>
-            </a:r>
-            <a:r>
-              <a:rPr lang="es-MX" dirty="0">
-                <a:solidFill>
-                  <a:schemeClr val="bg2">
-                    <a:lumMod val="25000"/>
-                  </a:schemeClr>
-                </a:solidFill>
-                <a:latin typeface="+mn-lt"/>
-              </a:rPr>
-              <a:t> a las ondas electromagnéticas; generalmente de entre </a:t>
-            </a:r>
-            <a:r>
-              <a:rPr lang="es-MX" b="1" dirty="0">
-                <a:solidFill>
-                  <a:schemeClr val="accent6">
-                    <a:lumMod val="75000"/>
-                  </a:schemeClr>
-                </a:solidFill>
-                <a:latin typeface="+mn-lt"/>
-              </a:rPr>
-              <a:t>300 MHz y 300 GHz</a:t>
-            </a:r>
-            <a:r>
-              <a:rPr lang="es-MX" dirty="0">
-                <a:solidFill>
-                  <a:schemeClr val="accent6">
-                    <a:lumMod val="75000"/>
-                  </a:schemeClr>
-                </a:solidFill>
-                <a:latin typeface="+mn-lt"/>
-              </a:rPr>
-              <a:t>. </a:t>
-            </a:r>
-            <a:endParaRPr lang="es-MX" sz="2000" dirty="0">
-              <a:solidFill>
-                <a:schemeClr val="accent6">
-                  <a:lumMod val="75000"/>
-                </a:schemeClr>
-              </a:solidFill>
-              <a:latin typeface="+mn-lt"/>
-            </a:endParaRPr>
-          </a:p>
-        </p:txBody>
-      </p:sp>
-      <p:pic>
-        <p:nvPicPr>
-          <p:cNvPr id="3" name="Imagen 2">
-            <a:extLst>
-              <a:ext uri="{FF2B5EF4-FFF2-40B4-BE49-F238E27FC236}">
-                <a16:creationId xmlns:a16="http://schemas.microsoft.com/office/drawing/2014/main" id="{4640B842-678F-4802-BF79-FCEA8634C120}"/>
-              </a:ext>
-            </a:extLst>
-          </p:cNvPr>
-          <p:cNvPicPr>
-            <a:picLocks noChangeAspect="1"/>
-          </p:cNvPicPr>
-          <p:nvPr/>
-        </p:nvPicPr>
-        <p:blipFill>
-          <a:blip r:embed="rId2">
-            <a:extLst>
-              <a:ext uri="{28A0092B-C50C-407E-A947-70E740481C1C}">
-                <a14:useLocalDpi xmlns:a14="http://schemas.microsoft.com/office/drawing/2010/main" val="0"/>
-              </a:ext>
-            </a:extLst>
-          </a:blip>
-          <a:stretch>
-            <a:fillRect/>
-          </a:stretch>
-        </p:blipFill>
-        <p:spPr>
-          <a:xfrm>
-            <a:off x="5255117" y="3134076"/>
-            <a:ext cx="3672408" cy="2832711"/>
-          </a:xfrm>
-          <a:prstGeom prst="rect">
-            <a:avLst/>
-          </a:prstGeom>
-        </p:spPr>
-      </p:pic>
-      <p:sp>
-        <p:nvSpPr>
-          <p:cNvPr id="9" name="Text Box 3"/>
-          <p:cNvSpPr txBox="1">
-            <a:spLocks noChangeArrowheads="1"/>
-          </p:cNvSpPr>
-          <p:nvPr/>
-        </p:nvSpPr>
-        <p:spPr bwMode="auto">
-          <a:xfrm>
-            <a:off x="718613" y="3000839"/>
-            <a:ext cx="4536504" cy="2957861"/>
-          </a:xfrm>
-          <a:prstGeom prst="rect">
-            <a:avLst/>
-          </a:prstGeom>
-          <a:noFill/>
-          <a:ln>
-            <a:noFill/>
-          </a:ln>
-          <a:extLst>
-            <a:ext uri="{909E8E84-426E-40DD-AFC4-6F175D3DCCD1}">
-              <a14:hiddenFill xmlns:a14="http://schemas.microsoft.com/office/drawing/2010/main">
-                <a:solidFill>
-                  <a:srgbClr val="FFFFFF"/>
-                </a:solidFill>
-              </a14:hiddenFill>
-            </a:ext>
-            <a:ext uri="{91240B29-F687-4F45-9708-019B960494DF}">
-              <a14:hiddenLine xmlns:a14="http://schemas.microsoft.com/office/drawing/2010/main" w="9525">
-                <a:solidFill>
-                  <a:srgbClr val="000000"/>
-                </a:solidFill>
-                <a:miter lim="800000"/>
-                <a:headEnd/>
-                <a:tailEnd/>
-              </a14:hiddenLine>
-            </a:ext>
-          </a:extLst>
-        </p:spPr>
-        <p:txBody>
-          <a:bodyPr wrap="square">
-            <a:spAutoFit/>
-          </a:bodyPr>
-          <a:lstStyle>
-            <a:lvl1pPr eaLnBrk="0" hangingPunct="0">
-              <a:defRPr>
-                <a:solidFill>
-                  <a:schemeClr val="tx1"/>
-                </a:solidFill>
-                <a:latin typeface="Arial" pitchFamily="34" charset="0"/>
-              </a:defRPr>
-            </a:lvl1pPr>
-            <a:lvl2pPr marL="742950" indent="-285750" eaLnBrk="0" hangingPunct="0">
-              <a:defRPr>
-                <a:solidFill>
-                  <a:schemeClr val="tx1"/>
-                </a:solidFill>
-                <a:latin typeface="Arial" pitchFamily="34" charset="0"/>
-              </a:defRPr>
-            </a:lvl2pPr>
-            <a:lvl3pPr marL="1143000" indent="-228600" eaLnBrk="0" hangingPunct="0">
-              <a:defRPr>
-                <a:solidFill>
-                  <a:schemeClr val="tx1"/>
-                </a:solidFill>
-                <a:latin typeface="Arial" pitchFamily="34" charset="0"/>
-              </a:defRPr>
-            </a:lvl3pPr>
-            <a:lvl4pPr marL="1600200" indent="-228600" eaLnBrk="0" hangingPunct="0">
-              <a:defRPr>
-                <a:solidFill>
-                  <a:schemeClr val="tx1"/>
-                </a:solidFill>
-                <a:latin typeface="Arial" pitchFamily="34" charset="0"/>
-              </a:defRPr>
-            </a:lvl4pPr>
-            <a:lvl5pPr marL="2057400" indent="-228600" eaLnBrk="0" hangingPunct="0">
-              <a:defRPr>
-                <a:solidFill>
-                  <a:schemeClr val="tx1"/>
-                </a:solidFill>
-                <a:latin typeface="Arial" pitchFamily="34" charset="0"/>
-              </a:defRPr>
-            </a:lvl5pPr>
-            <a:lvl6pPr marL="2514600" indent="-228600" eaLnBrk="0" fontAlgn="base" hangingPunct="0">
-              <a:spcBef>
-                <a:spcPct val="0"/>
-              </a:spcBef>
-              <a:spcAft>
-                <a:spcPct val="0"/>
-              </a:spcAft>
-              <a:defRPr>
-                <a:solidFill>
-                  <a:schemeClr val="tx1"/>
-                </a:solidFill>
-                <a:latin typeface="Arial" pitchFamily="34" charset="0"/>
-              </a:defRPr>
-            </a:lvl6pPr>
-            <a:lvl7pPr marL="2971800" indent="-228600" eaLnBrk="0" fontAlgn="base" hangingPunct="0">
-              <a:spcBef>
-                <a:spcPct val="0"/>
-              </a:spcBef>
-              <a:spcAft>
-                <a:spcPct val="0"/>
-              </a:spcAft>
-              <a:defRPr>
-                <a:solidFill>
-                  <a:schemeClr val="tx1"/>
-                </a:solidFill>
-                <a:latin typeface="Arial" pitchFamily="34" charset="0"/>
-              </a:defRPr>
-            </a:lvl7pPr>
-            <a:lvl8pPr marL="3429000" indent="-228600" eaLnBrk="0" fontAlgn="base" hangingPunct="0">
-              <a:spcBef>
-                <a:spcPct val="0"/>
-              </a:spcBef>
-              <a:spcAft>
-                <a:spcPct val="0"/>
-              </a:spcAft>
-              <a:defRPr>
-                <a:solidFill>
-                  <a:schemeClr val="tx1"/>
-                </a:solidFill>
-                <a:latin typeface="Arial" pitchFamily="34" charset="0"/>
-              </a:defRPr>
-            </a:lvl8pPr>
-            <a:lvl9pPr marL="3886200" indent="-228600" eaLnBrk="0" fontAlgn="base" hangingPunct="0">
-              <a:spcBef>
-                <a:spcPct val="0"/>
-              </a:spcBef>
-              <a:spcAft>
-                <a:spcPct val="0"/>
-              </a:spcAft>
-              <a:defRPr>
-                <a:solidFill>
-                  <a:schemeClr val="tx1"/>
-                </a:solidFill>
-                <a:latin typeface="Arial" pitchFamily="34" charset="0"/>
-              </a:defRPr>
-            </a:lvl9pPr>
-          </a:lstStyle>
-          <a:p>
-            <a:pPr marL="285750" indent="-285750">
-              <a:lnSpc>
-                <a:spcPct val="150000"/>
-              </a:lnSpc>
-              <a:spcBef>
-                <a:spcPts val="600"/>
-              </a:spcBef>
-              <a:buFont typeface="Arial" panose="020B0604020202020204" pitchFamily="34" charset="0"/>
-              <a:buChar char="•"/>
-            </a:pPr>
-            <a:r>
-              <a:rPr lang="es-MX" dirty="0">
-                <a:solidFill>
-                  <a:schemeClr val="bg2">
-                    <a:lumMod val="25000"/>
-                  </a:schemeClr>
-                </a:solidFill>
-                <a:latin typeface="+mn-lt"/>
-              </a:rPr>
-              <a:t>Su desventaja es que viajan en línea directa y no curva (sobre la tierra), por tanto, necesitan estar relativamente cerca una estación de otra. (máximo de 40 a 48 kilómetros de distancia) y se deben encontrar en lugares altos para asegurar las transmisión sin obstrucción. </a:t>
-            </a:r>
-          </a:p>
-        </p:txBody>
-      </p:sp>
-    </p:spTree>
-    <p:extLst>
-      <p:ext uri="{BB962C8B-B14F-4D97-AF65-F5344CB8AC3E}">
-        <p14:creationId xmlns:p14="http://schemas.microsoft.com/office/powerpoint/2010/main" val="2868349011"/>
-      </p:ext>
-    </p:extLst>
-  </p:cSld>
-  <p:clrMapOvr>
-    <a:masterClrMapping/>
-  </p:clrMapOvr>
-  <p:timing>
-    <p:tnLst>
-      <p:par>
-        <p:cTn id="1" dur="indefinite" restart="never" nodeType="tmRoot">
-          <p:childTnLst>
-            <p:seq concurrent="1" nextAc="seek">
-              <p:cTn id="2" dur="indefinite" nodeType="mainSeq">
-                <p:childTnLst>
-                  <p:par>
-                    <p:cTn id="3" fill="hold">
-                      <p:stCondLst>
-                        <p:cond delay="indefinite"/>
-                      </p:stCondLst>
-                      <p:childTnLst>
-                        <p:par>
-                          <p:cTn id="4" fill="hold">
-                            <p:stCondLst>
-                              <p:cond delay="0"/>
-                            </p:stCondLst>
-                            <p:childTnLst>
-                              <p:par>
-                                <p:cTn id="5" presetID="1" presetClass="entr" presetSubtype="0" fill="hold" grpId="0" nodeType="clickEffect">
-                                  <p:stCondLst>
-                                    <p:cond delay="0"/>
-                                  </p:stCondLst>
-                                  <p:childTnLst>
-                                    <p:set>
-                                      <p:cBhvr>
-                                        <p:cTn id="6" dur="1" fill="hold">
-                                          <p:stCondLst>
-                                            <p:cond delay="0"/>
-                                          </p:stCondLst>
-                                        </p:cTn>
-                                        <p:tgtEl>
-                                          <p:spTgt spid="7"/>
-                                        </p:tgtEl>
-                                        <p:attrNameLst>
-                                          <p:attrName>style.visibility</p:attrName>
-                                        </p:attrNameLst>
-                                      </p:cBhvr>
-                                      <p:to>
-                                        <p:strVal val="visible"/>
-                                      </p:to>
-                                    </p:set>
-                                  </p:childTnLst>
-                                </p:cTn>
-                              </p:par>
-                            </p:childTnLst>
-                          </p:cTn>
-                        </p:par>
-                      </p:childTnLst>
-                    </p:cTn>
-                  </p:par>
-                  <p:par>
-                    <p:cTn id="7" fill="hold">
-                      <p:stCondLst>
-                        <p:cond delay="indefinite"/>
-                      </p:stCondLst>
-                      <p:childTnLst>
-                        <p:par>
-                          <p:cTn id="8" fill="hold">
-                            <p:stCondLst>
-                              <p:cond delay="0"/>
-                            </p:stCondLst>
-                            <p:childTnLst>
-                              <p:par>
-                                <p:cTn id="9" presetID="1" presetClass="entr" presetSubtype="0" fill="hold" grpId="0" nodeType="clickEffect">
-                                  <p:stCondLst>
-                                    <p:cond delay="0"/>
-                                  </p:stCondLst>
-                                  <p:childTnLst>
-                                    <p:set>
-                                      <p:cBhvr>
-                                        <p:cTn id="10" dur="1" fill="hold">
-                                          <p:stCondLst>
-                                            <p:cond delay="0"/>
-                                          </p:stCondLst>
-                                        </p:cTn>
-                                        <p:tgtEl>
-                                          <p:spTgt spid="9"/>
-                                        </p:tgtEl>
-                                        <p:attrNameLst>
-                                          <p:attrName>style.visibility</p:attrName>
-                                        </p:attrNameLst>
-                                      </p:cBhvr>
-                                      <p:to>
-                                        <p:strVal val="visible"/>
-                                      </p:to>
-                                    </p:set>
-                                  </p:childTnLst>
-                                </p:cTn>
-                              </p:par>
-                            </p:childTnLst>
-                          </p:cTn>
-                        </p:par>
-                      </p:childTnLst>
-                    </p:cTn>
-                  </p:par>
-                </p:childTnLst>
-              </p:cTn>
-              <p:prevCondLst>
-                <p:cond evt="onPrev" delay="0">
-                  <p:tgtEl>
-                    <p:sldTgt/>
-                  </p:tgtEl>
-                </p:cond>
-              </p:prevCondLst>
-              <p:nextCondLst>
-                <p:cond evt="onNext" delay="0">
-                  <p:tgtEl>
-                    <p:sldTgt/>
-                  </p:tgtEl>
-                </p:cond>
-              </p:nextCondLst>
-            </p:seq>
-          </p:childTnLst>
-        </p:cTn>
-      </p:par>
-    </p:tnLst>
-    <p:bldLst>
-      <p:bldP spid="7" grpId="0"/>
-      <p:bldP spid="9" grpId="0"/>
-    </p:bldLst>
-  </p:timing>
-</p:sld>
-</file>
-
-<file path=ppt/slides/slide17.xml><?xml version="1.0" encoding="utf-8"?>
-<p:sld xmlns:a="http://schemas.openxmlformats.org/drawingml/2006/main" xmlns:r="http://schemas.openxmlformats.org/officeDocument/2006/relationships" xmlns:p="http://schemas.openxmlformats.org/presentationml/2006/main">
-  <p:cSld>
-    <p:spTree>
-      <p:nvGrpSpPr>
-        <p:cNvPr id="1" name=""/>
-        <p:cNvGrpSpPr/>
-        <p:nvPr/>
-      </p:nvGrpSpPr>
-      <p:grpSpPr>
-        <a:xfrm>
-          <a:off x="0" y="0"/>
-          <a:ext cx="0" cy="0"/>
-          <a:chOff x="0" y="0"/>
-          <a:chExt cx="0" cy="0"/>
-        </a:xfrm>
-      </p:grpSpPr>
-      <p:pic>
-        <p:nvPicPr>
-          <p:cNvPr id="6" name="Imagen 5"/>
-          <p:cNvPicPr>
-            <a:picLocks noChangeAspect="1"/>
-          </p:cNvPicPr>
-          <p:nvPr/>
-        </p:nvPicPr>
-        <p:blipFill>
-          <a:blip r:embed="rId3">
-            <a:extLst>
-              <a:ext uri="{28A0092B-C50C-407E-A947-70E740481C1C}">
-                <a14:useLocalDpi xmlns:a14="http://schemas.microsoft.com/office/drawing/2010/main" val="0"/>
-              </a:ext>
-            </a:extLst>
-          </a:blip>
-          <a:stretch>
-            <a:fillRect/>
-          </a:stretch>
-        </p:blipFill>
-        <p:spPr>
-          <a:xfrm>
-            <a:off x="4788024" y="1340768"/>
-            <a:ext cx="3558854" cy="2299567"/>
-          </a:xfrm>
-          <a:prstGeom prst="rect">
-            <a:avLst/>
-          </a:prstGeom>
-        </p:spPr>
-      </p:pic>
-      <p:sp>
-        <p:nvSpPr>
-          <p:cNvPr id="5" name="Rectangle 2"/>
-          <p:cNvSpPr txBox="1">
-            <a:spLocks noChangeArrowheads="1"/>
-          </p:cNvSpPr>
-          <p:nvPr/>
-        </p:nvSpPr>
-        <p:spPr>
-          <a:xfrm>
-            <a:off x="144016" y="197768"/>
-            <a:ext cx="8964488" cy="1143000"/>
-          </a:xfrm>
-          <a:prstGeom prst="rect">
-            <a:avLst/>
-          </a:prstGeom>
-        </p:spPr>
-        <p:txBody>
-          <a:bodyPr vert="horz" lIns="92075" tIns="46038" rIns="92075" bIns="46038" rtlCol="0" anchor="ctr">
-            <a:noAutofit/>
-          </a:bodyPr>
-          <a:lstStyle>
-            <a:lvl1pPr algn="ctr" defTabSz="914400" rtl="0" eaLnBrk="1" latinLnBrk="0" hangingPunct="1">
-              <a:spcBef>
-                <a:spcPct val="0"/>
-              </a:spcBef>
-              <a:buNone/>
-              <a:defRPr sz="4400" kern="1200">
-                <a:solidFill>
-                  <a:schemeClr val="tx1"/>
-                </a:solidFill>
-                <a:latin typeface="+mj-lt"/>
-                <a:ea typeface="+mj-ea"/>
-                <a:cs typeface="+mj-cs"/>
-              </a:defRPr>
-            </a:lvl1pPr>
-          </a:lstStyle>
-          <a:p>
-            <a:pPr>
-              <a:defRPr/>
-            </a:pPr>
-            <a:r>
-              <a:rPr lang="es-ES_tradnl" sz="3200" dirty="0">
-                <a:solidFill>
-                  <a:srgbClr val="3333CC"/>
-                </a:solidFill>
-                <a:effectLst>
-                  <a:outerShdw blurRad="38100" dist="38100" dir="2700000" algn="tl">
-                    <a:srgbClr val="C0C0C0"/>
-                  </a:outerShdw>
-                </a:effectLst>
-                <a:latin typeface="Dom Casual" charset="0"/>
-              </a:rPr>
-              <a:t> </a:t>
-            </a:r>
-            <a:r>
-              <a:rPr lang="es-ES_tradnl" sz="3200" b="1" dirty="0">
-                <a:solidFill>
-                  <a:schemeClr val="accent4">
-                    <a:lumMod val="50000"/>
-                  </a:schemeClr>
-                </a:solidFill>
-                <a:effectLst>
-                  <a:outerShdw blurRad="38100" dist="38100" dir="2700000" algn="tl">
-                    <a:srgbClr val="C0C0C0"/>
-                  </a:outerShdw>
-                </a:effectLst>
-                <a:latin typeface="Dom Casual" charset="0"/>
-              </a:rPr>
-              <a:t>Cables UTP, coaxial y fibra óptica</a:t>
-            </a:r>
-          </a:p>
-        </p:txBody>
-      </p:sp>
-      <p:pic>
-        <p:nvPicPr>
-          <p:cNvPr id="11" name="Picture 2"/>
-          <p:cNvPicPr>
-            <a:picLocks noChangeAspect="1" noChangeArrowheads="1"/>
-          </p:cNvPicPr>
-          <p:nvPr/>
-        </p:nvPicPr>
-        <p:blipFill>
-          <a:blip r:embed="rId4">
-            <a:extLst>
-              <a:ext uri="{28A0092B-C50C-407E-A947-70E740481C1C}">
-                <a14:useLocalDpi xmlns:a14="http://schemas.microsoft.com/office/drawing/2010/main" val="0"/>
-              </a:ext>
-            </a:extLst>
-          </a:blip>
-          <a:srcRect/>
-          <a:stretch>
-            <a:fillRect/>
-          </a:stretch>
-        </p:blipFill>
-        <p:spPr bwMode="auto">
-          <a:xfrm>
-            <a:off x="1005872" y="3018033"/>
-            <a:ext cx="3411855" cy="1130749"/>
-          </a:xfrm>
-          <a:prstGeom prst="rect">
-            <a:avLst/>
-          </a:prstGeom>
-          <a:noFill/>
-          <a:ln>
-            <a:noFill/>
-          </a:ln>
-          <a:extLst>
-            <a:ext uri="{909E8E84-426E-40DD-AFC4-6F175D3DCCD1}">
-              <a14:hiddenFill xmlns:a14="http://schemas.microsoft.com/office/drawing/2010/main">
-                <a:solidFill>
-                  <a:srgbClr val="FFFFFF"/>
-                </a:solidFill>
-              </a14:hiddenFill>
-            </a:ext>
-            <a:ext uri="{91240B29-F687-4F45-9708-019B960494DF}">
-              <a14:hiddenLine xmlns:a14="http://schemas.microsoft.com/office/drawing/2010/main" w="9525">
-                <a:solidFill>
-                  <a:srgbClr val="000000"/>
-                </a:solidFill>
-                <a:miter lim="800000"/>
-                <a:headEnd/>
-                <a:tailEnd/>
-              </a14:hiddenLine>
-            </a:ext>
-          </a:extLst>
-        </p:spPr>
-      </p:pic>
-      <p:pic>
-        <p:nvPicPr>
-          <p:cNvPr id="3" name="Imagen 2"/>
-          <p:cNvPicPr>
-            <a:picLocks noChangeAspect="1"/>
-          </p:cNvPicPr>
-          <p:nvPr/>
-        </p:nvPicPr>
-        <p:blipFill>
-          <a:blip r:embed="rId5">
-            <a:extLst>
-              <a:ext uri="{28A0092B-C50C-407E-A947-70E740481C1C}">
-                <a14:useLocalDpi xmlns:a14="http://schemas.microsoft.com/office/drawing/2010/main" val="0"/>
-              </a:ext>
-            </a:extLst>
-          </a:blip>
-          <a:stretch>
-            <a:fillRect/>
-          </a:stretch>
-        </p:blipFill>
-        <p:spPr>
-          <a:xfrm>
-            <a:off x="3811210" y="3374496"/>
-            <a:ext cx="3474452" cy="2493884"/>
-          </a:xfrm>
-          <a:prstGeom prst="rect">
-            <a:avLst/>
-          </a:prstGeom>
-        </p:spPr>
-      </p:pic>
-    </p:spTree>
-    <p:extLst>
-      <p:ext uri="{BB962C8B-B14F-4D97-AF65-F5344CB8AC3E}">
-        <p14:creationId xmlns:p14="http://schemas.microsoft.com/office/powerpoint/2010/main" val="492541857"/>
-      </p:ext>
-    </p:extLst>
-  </p:cSld>
-  <p:clrMapOvr>
-    <a:masterClrMapping/>
-  </p:clrMapOvr>
-  <p:timing>
-    <p:tnLst>
-      <p:par>
-        <p:cTn id="1" dur="indefinite" restart="never" nodeType="tmRoot">
-          <p:childTnLst>
-            <p:seq concurrent="1" nextAc="seek">
-              <p:cTn id="2" dur="indefinite" nodeType="mainSeq">
-                <p:childTnLst>
-                  <p:par>
-                    <p:cTn id="3" fill="hold">
-                      <p:stCondLst>
-                        <p:cond delay="indefinite"/>
-                      </p:stCondLst>
-                      <p:childTnLst>
-                        <p:par>
-                          <p:cTn id="4" fill="hold">
-                            <p:stCondLst>
-                              <p:cond delay="0"/>
-                            </p:stCondLst>
-                            <p:childTnLst>
-                              <p:par>
-                                <p:cTn id="5" presetID="1" presetClass="entr" presetSubtype="0" fill="hold" nodeType="clickEffect">
-                                  <p:stCondLst>
-                                    <p:cond delay="0"/>
-                                  </p:stCondLst>
-                                  <p:childTnLst>
-                                    <p:set>
-                                      <p:cBhvr>
-                                        <p:cTn id="6" dur="1" fill="hold">
-                                          <p:stCondLst>
-                                            <p:cond delay="0"/>
-                                          </p:stCondLst>
-                                        </p:cTn>
-                                        <p:tgtEl>
-                                          <p:spTgt spid="6"/>
-                                        </p:tgtEl>
-                                        <p:attrNameLst>
-                                          <p:attrName>style.visibility</p:attrName>
-                                        </p:attrNameLst>
-                                      </p:cBhvr>
-                                      <p:to>
-                                        <p:strVal val="visible"/>
-                                      </p:to>
-                                    </p:set>
-                                  </p:childTnLst>
-                                </p:cTn>
-                              </p:par>
-                            </p:childTnLst>
-                          </p:cTn>
-                        </p:par>
-                      </p:childTnLst>
-                    </p:cTn>
-                  </p:par>
-                  <p:par>
-                    <p:cTn id="7" fill="hold">
-                      <p:stCondLst>
-                        <p:cond delay="indefinite"/>
-                      </p:stCondLst>
-                      <p:childTnLst>
-                        <p:par>
-                          <p:cTn id="8" fill="hold">
-                            <p:stCondLst>
-                              <p:cond delay="0"/>
-                            </p:stCondLst>
-                            <p:childTnLst>
-                              <p:par>
-                                <p:cTn id="9" presetID="1" presetClass="entr" presetSubtype="0" fill="hold" nodeType="clickEffect">
-                                  <p:stCondLst>
-                                    <p:cond delay="0"/>
-                                  </p:stCondLst>
-                                  <p:childTnLst>
-                                    <p:set>
-                                      <p:cBhvr>
-                                        <p:cTn id="10" dur="1" fill="hold">
-                                          <p:stCondLst>
-                                            <p:cond delay="0"/>
-                                          </p:stCondLst>
-                                        </p:cTn>
-                                        <p:tgtEl>
-                                          <p:spTgt spid="11"/>
-                                        </p:tgtEl>
-                                        <p:attrNameLst>
-                                          <p:attrName>style.visibility</p:attrName>
-                                        </p:attrNameLst>
-                                      </p:cBhvr>
-                                      <p:to>
-                                        <p:strVal val="visible"/>
-                                      </p:to>
-                                    </p:set>
-                                  </p:childTnLst>
-                                </p:cTn>
-                              </p:par>
-                            </p:childTnLst>
-                          </p:cTn>
-                        </p:par>
-                      </p:childTnLst>
-                    </p:cTn>
-                  </p:par>
-                  <p:par>
-                    <p:cTn id="11" fill="hold">
-                      <p:stCondLst>
-                        <p:cond delay="indefinite"/>
-                      </p:stCondLst>
-                      <p:childTnLst>
-                        <p:par>
-                          <p:cTn id="12" fill="hold">
-                            <p:stCondLst>
-                              <p:cond delay="0"/>
-                            </p:stCondLst>
-                            <p:childTnLst>
-                              <p:par>
-                                <p:cTn id="13" presetID="1" presetClass="entr" presetSubtype="0" fill="hold" nodeType="clickEffect">
-                                  <p:stCondLst>
-                                    <p:cond delay="0"/>
-                                  </p:stCondLst>
-                                  <p:childTnLst>
-                                    <p:set>
-                                      <p:cBhvr>
-                                        <p:cTn id="14" dur="1" fill="hold">
-                                          <p:stCondLst>
-                                            <p:cond delay="0"/>
-                                          </p:stCondLst>
-                                        </p:cTn>
-                                        <p:tgtEl>
-                                          <p:spTgt spid="3"/>
-                                        </p:tgtEl>
-                                        <p:attrNameLst>
-                                          <p:attrName>style.visibility</p:attrName>
-                                        </p:attrNameLst>
-                                      </p:cBhvr>
-                                      <p:to>
-                                        <p:strVal val="visible"/>
-                                      </p:to>
-                                    </p:set>
-                                  </p:childTnLst>
-                                </p:cTn>
-                              </p:par>
-                            </p:childTnLst>
-                          </p:cTn>
-                        </p:par>
-                      </p:childTnLst>
-                    </p:cTn>
-                  </p:par>
-                </p:childTnLst>
-              </p:cTn>
-              <p:prevCondLst>
-                <p:cond evt="onPrev" delay="0">
-                  <p:tgtEl>
-                    <p:sldTgt/>
-                  </p:tgtEl>
-                </p:cond>
-              </p:prevCondLst>
-              <p:nextCondLst>
-                <p:cond evt="onNext" delay="0">
-                  <p:tgtEl>
-                    <p:sldTgt/>
-                  </p:tgtEl>
-                </p:cond>
-              </p:nextCondLst>
-            </p:seq>
-          </p:childTnLst>
-        </p:cTn>
-      </p:par>
-    </p:tnLst>
-  </p:timing>
-</p:sld>
-</file>
-
 <file path=ppt/slides/slide2.xml><?xml version="1.0" encoding="utf-8"?>
 <p:sld xmlns:a="http://schemas.openxmlformats.org/drawingml/2006/main" xmlns:r="http://schemas.openxmlformats.org/officeDocument/2006/relationships" xmlns:p="http://schemas.openxmlformats.org/presentationml/2006/main">
   <p:cSld>
@@ -10333,8 +8690,8 @@
         </p:nvSpPr>
         <p:spPr bwMode="auto">
           <a:xfrm>
-            <a:off x="890589" y="2065368"/>
-            <a:ext cx="7488832" cy="4247317"/>
+            <a:off x="887320" y="2284171"/>
+            <a:ext cx="2517541" cy="2468368"/>
           </a:xfrm>
           <a:prstGeom prst="rect">
             <a:avLst/>
@@ -10542,19 +8899,10 @@
                 </a:solidFill>
                 <a:latin typeface="+mn-lt"/>
               </a:rPr>
-              <a:t>Access Points</a:t>
-            </a:r>
-          </a:p>
-          <a:p>
-            <a:pPr marL="457200" indent="-457200">
-              <a:lnSpc>
-                <a:spcPct val="200000"/>
-              </a:lnSpc>
-              <a:buFont typeface="+mj-lt"/>
-              <a:buAutoNum type="arabicPeriod"/>
-            </a:pPr>
-            <a:r>
-              <a:rPr lang="es-MX" sz="2000" b="1" dirty="0">
+              <a:t>Access </a:t>
+            </a:r>
+            <a:r>
+              <a:rPr lang="es-MX" sz="2000" b="1" dirty="0" err="1">
                 <a:solidFill>
                   <a:schemeClr val="accent6">
                     <a:lumMod val="75000"/>
@@ -10562,35 +8910,8 @@
                 </a:solidFill>
                 <a:latin typeface="+mn-lt"/>
               </a:rPr>
-              <a:t>Radio frecuencia/ microondas</a:t>
-            </a:r>
-          </a:p>
-          <a:p>
-            <a:pPr marL="457200" indent="-457200">
-              <a:lnSpc>
-                <a:spcPct val="200000"/>
-              </a:lnSpc>
-              <a:buFont typeface="+mj-lt"/>
-              <a:buAutoNum type="arabicPeriod"/>
-            </a:pPr>
-            <a:r>
-              <a:rPr lang="es-MX" sz="2000" b="1" dirty="0">
-                <a:solidFill>
-                  <a:schemeClr val="accent6">
-                    <a:lumMod val="75000"/>
-                  </a:schemeClr>
-                </a:solidFill>
-                <a:latin typeface="+mn-lt"/>
-              </a:rPr>
-              <a:t>Cables UTP, Coaxial o de Fibra óptica</a:t>
-            </a:r>
-          </a:p>
-          <a:p>
-            <a:pPr algn="ctr">
-              <a:lnSpc>
-                <a:spcPct val="150000"/>
-              </a:lnSpc>
-            </a:pPr>
+              <a:t>Points</a:t>
+            </a:r>
             <a:endParaRPr lang="es-MX" sz="2000" dirty="0">
               <a:solidFill>
                 <a:schemeClr val="bg2">
